--- a/Graduation_Document/Who's the tagger.pptx
+++ b/Graduation_Document/Who's the tagger.pptx
@@ -279,7 +279,7 @@
           <a:p>
             <a:fld id="{1EC43FEB-CA4E-45D7-9007-AB8705F7A7B5}" type="datetimeFigureOut">
               <a:rPr lang="ko-KR" altLang="en-US" smtClean="0"/>
-              <a:t>2022-12-12</a:t>
+              <a:t>2022-12-14</a:t>
             </a:fld>
             <a:endParaRPr lang="ko-KR" altLang="en-US"/>
           </a:p>
@@ -459,7 +459,7 @@
           <a:p>
             <a:fld id="{1EC43FEB-CA4E-45D7-9007-AB8705F7A7B5}" type="datetimeFigureOut">
               <a:rPr lang="ko-KR" altLang="en-US" smtClean="0"/>
-              <a:t>2022-12-12</a:t>
+              <a:t>2022-12-14</a:t>
             </a:fld>
             <a:endParaRPr lang="ko-KR" altLang="en-US"/>
           </a:p>
@@ -649,7 +649,7 @@
           <a:p>
             <a:fld id="{1EC43FEB-CA4E-45D7-9007-AB8705F7A7B5}" type="datetimeFigureOut">
               <a:rPr lang="ko-KR" altLang="en-US" smtClean="0"/>
-              <a:t>2022-12-12</a:t>
+              <a:t>2022-12-14</a:t>
             </a:fld>
             <a:endParaRPr lang="ko-KR" altLang="en-US"/>
           </a:p>
@@ -829,7 +829,7 @@
           <a:p>
             <a:fld id="{1EC43FEB-CA4E-45D7-9007-AB8705F7A7B5}" type="datetimeFigureOut">
               <a:rPr lang="ko-KR" altLang="en-US" smtClean="0"/>
-              <a:t>2022-12-12</a:t>
+              <a:t>2022-12-14</a:t>
             </a:fld>
             <a:endParaRPr lang="ko-KR" altLang="en-US"/>
           </a:p>
@@ -1086,7 +1086,7 @@
           <a:p>
             <a:fld id="{1EC43FEB-CA4E-45D7-9007-AB8705F7A7B5}" type="datetimeFigureOut">
               <a:rPr lang="ko-KR" altLang="en-US" smtClean="0"/>
-              <a:t>2022-12-12</a:t>
+              <a:t>2022-12-14</a:t>
             </a:fld>
             <a:endParaRPr lang="ko-KR" altLang="en-US"/>
           </a:p>
@@ -1327,7 +1327,7 @@
           <a:p>
             <a:fld id="{1EC43FEB-CA4E-45D7-9007-AB8705F7A7B5}" type="datetimeFigureOut">
               <a:rPr lang="ko-KR" altLang="en-US" smtClean="0"/>
-              <a:t>2022-12-12</a:t>
+              <a:t>2022-12-14</a:t>
             </a:fld>
             <a:endParaRPr lang="ko-KR" altLang="en-US"/>
           </a:p>
@@ -1703,7 +1703,7 @@
           <a:p>
             <a:fld id="{1EC43FEB-CA4E-45D7-9007-AB8705F7A7B5}" type="datetimeFigureOut">
               <a:rPr lang="ko-KR" altLang="en-US" smtClean="0"/>
-              <a:t>2022-12-12</a:t>
+              <a:t>2022-12-14</a:t>
             </a:fld>
             <a:endParaRPr lang="ko-KR" altLang="en-US"/>
           </a:p>
@@ -1832,7 +1832,7 @@
           <a:p>
             <a:fld id="{1EC43FEB-CA4E-45D7-9007-AB8705F7A7B5}" type="datetimeFigureOut">
               <a:rPr lang="ko-KR" altLang="en-US" smtClean="0"/>
-              <a:t>2022-12-12</a:t>
+              <a:t>2022-12-14</a:t>
             </a:fld>
             <a:endParaRPr lang="ko-KR" altLang="en-US"/>
           </a:p>
@@ -1939,7 +1939,7 @@
           <a:p>
             <a:fld id="{1EC43FEB-CA4E-45D7-9007-AB8705F7A7B5}" type="datetimeFigureOut">
               <a:rPr lang="ko-KR" altLang="en-US" smtClean="0"/>
-              <a:t>2022-12-12</a:t>
+              <a:t>2022-12-14</a:t>
             </a:fld>
             <a:endParaRPr lang="ko-KR" altLang="en-US"/>
           </a:p>
@@ -2226,7 +2226,7 @@
           <a:p>
             <a:fld id="{1EC43FEB-CA4E-45D7-9007-AB8705F7A7B5}" type="datetimeFigureOut">
               <a:rPr lang="ko-KR" altLang="en-US" smtClean="0"/>
-              <a:t>2022-12-12</a:t>
+              <a:t>2022-12-14</a:t>
             </a:fld>
             <a:endParaRPr lang="ko-KR" altLang="en-US"/>
           </a:p>
@@ -2490,7 +2490,7 @@
           <a:p>
             <a:fld id="{1EC43FEB-CA4E-45D7-9007-AB8705F7A7B5}" type="datetimeFigureOut">
               <a:rPr lang="ko-KR" altLang="en-US" smtClean="0"/>
-              <a:t>2022-12-12</a:t>
+              <a:t>2022-12-14</a:t>
             </a:fld>
             <a:endParaRPr lang="ko-KR" altLang="en-US"/>
           </a:p>
@@ -2713,7 +2713,7 @@
           <a:p>
             <a:fld id="{1EC43FEB-CA4E-45D7-9007-AB8705F7A7B5}" type="datetimeFigureOut">
               <a:rPr lang="ko-KR" altLang="en-US" smtClean="0"/>
-              <a:t>2022-12-12</a:t>
+              <a:t>2022-12-14</a:t>
             </a:fld>
             <a:endParaRPr lang="ko-KR" altLang="en-US"/>
           </a:p>
@@ -15166,7 +15166,7 @@
           <p:nvPr>
             <p:extLst>
               <p:ext uri="{D42A27DB-BD31-4B8C-83A1-F6EECF244321}">
-                <p14:modId xmlns:p14="http://schemas.microsoft.com/office/powerpoint/2010/main" val="4102956726"/>
+                <p14:modId xmlns:p14="http://schemas.microsoft.com/office/powerpoint/2010/main" val="2295612421"/>
               </p:ext>
             </p:extLst>
           </p:nvPr>
@@ -15265,34 +15265,34 @@
                     <a:lstStyle/>
                     <a:p>
                       <a:pPr algn="ctr" latinLnBrk="1"/>
-                      <a:endParaRPr lang="en-US" altLang="ko-KR" b="1"/>
+                      <a:endParaRPr lang="en-US" altLang="ko-KR" b="1" dirty="0"/>
                     </a:p>
                     <a:p>
                       <a:pPr algn="ctr" latinLnBrk="1"/>
                       <a:r>
-                        <a:rPr lang="en-US" altLang="ko-KR" b="1"/>
+                        <a:rPr lang="en-US" altLang="ko-KR" b="1" dirty="0"/>
                         <a:t>SSAO(</a:t>
                       </a:r>
                       <a:r>
-                        <a:rPr lang="en-US" altLang="ko-KR" sz="1800" b="1">
+                        <a:rPr lang="en-US" altLang="ko-KR" sz="1800" b="1" dirty="0">
                           <a:effectLst/>
                         </a:rPr>
                         <a:t>Screen Space Ambient Occlusion</a:t>
                       </a:r>
                       <a:r>
-                        <a:rPr lang="en-US" altLang="ko-KR" b="1"/>
+                        <a:rPr lang="en-US" altLang="ko-KR" b="1" dirty="0"/>
                         <a:t>)</a:t>
                       </a:r>
                       <a:r>
-                        <a:rPr lang="ko-KR" altLang="en-US"/>
+                        <a:rPr lang="ko-KR" altLang="en-US" dirty="0"/>
                         <a:t>을 통한 사실감 있는 음영 표현</a:t>
                       </a:r>
-                      <a:endParaRPr lang="en-US" altLang="ko-KR"/>
+                      <a:endParaRPr lang="en-US" altLang="ko-KR" dirty="0"/>
                     </a:p>
                     <a:p>
                       <a:pPr algn="ctr"/>
                       <a:r>
-                        <a:rPr lang="en-US" altLang="ko-KR" sz="1800" b="1" kern="1200">
+                        <a:rPr lang="en-US" altLang="ko-KR" sz="1800" b="1" kern="1200" dirty="0">
                           <a:solidFill>
                             <a:schemeClr val="dk1"/>
                           </a:solidFill>
@@ -15301,7 +15301,7 @@
                         <a:t>Normal mapping</a:t>
                       </a:r>
                       <a:r>
-                        <a:rPr lang="ko-KR" altLang="en-US" sz="1800" b="0" kern="1200">
+                        <a:rPr lang="ko-KR" altLang="en-US" sz="1800" b="0" kern="1200" dirty="0">
                           <a:solidFill>
                             <a:schemeClr val="dk1"/>
                           </a:solidFill>
@@ -15310,7 +15310,7 @@
                         <a:t>과 </a:t>
                       </a:r>
                       <a:r>
-                        <a:rPr lang="en-US" altLang="ko-KR" sz="1800" b="1" kern="1200">
+                        <a:rPr lang="en-US" altLang="ko-KR" sz="1800" b="1" kern="1200" dirty="0">
                           <a:solidFill>
                             <a:schemeClr val="dk1"/>
                           </a:solidFill>
@@ -15319,7 +15319,7 @@
                         <a:t>Parallax mapping</a:t>
                       </a:r>
                       <a:r>
-                        <a:rPr lang="ko-KR" altLang="en-US" sz="1800" b="0" kern="1200">
+                        <a:rPr lang="ko-KR" altLang="en-US" sz="1800" b="0" kern="1200" dirty="0">
                           <a:solidFill>
                             <a:schemeClr val="dk1"/>
                           </a:solidFill>
@@ -15327,7 +15327,7 @@
                         </a:rPr>
                         <a:t>의 사용으로 객체의 입체감을 표현</a:t>
                       </a:r>
-                      <a:endParaRPr lang="en-US" altLang="ko-KR" sz="1800" b="0" i="0" kern="1200">
+                      <a:endParaRPr lang="en-US" altLang="ko-KR" sz="1800" b="0" i="0" kern="1200" dirty="0">
                         <a:solidFill>
                           <a:schemeClr val="dk1"/>
                         </a:solidFill>
@@ -15379,32 +15379,32 @@
                     <a:p>
                       <a:pPr algn="ctr"/>
                       <a:r>
-                        <a:rPr lang="en-US" altLang="ko-KR" sz="1800" b="1" i="0" dirty="0">
+                        <a:rPr lang="ko-KR" altLang="en-US" sz="1800" b="1" i="0" dirty="0">
                           <a:effectLst/>
                           <a:latin typeface="Whitney"/>
                         </a:rPr>
-                        <a:t>PVS(Potentially visible set)</a:t>
+                        <a:t>애니메이션 </a:t>
                       </a:r>
                       <a:r>
-                        <a:rPr lang="en-US" altLang="ko-KR" sz="1800" b="0" i="0" dirty="0">
+                        <a:rPr lang="ko-KR" altLang="en-US" sz="1800" b="1" i="0" dirty="0" err="1">
                           <a:effectLst/>
                           <a:latin typeface="Whitney"/>
                         </a:rPr>
-                        <a:t>, </a:t>
+                        <a:t>블렌딩</a:t>
                       </a:r>
                       <a:r>
-                        <a:rPr lang="en-US" altLang="ko-KR" sz="1800" b="1" i="0" dirty="0">
+                        <a:rPr lang="ko-KR" altLang="en-US" sz="1800" b="0" i="0" dirty="0" err="1">
                           <a:effectLst/>
                           <a:latin typeface="Whitney"/>
                         </a:rPr>
-                        <a:t>Occlusion Portal</a:t>
+                        <a:t>으로</a:t>
                       </a:r>
                       <a:r>
                         <a:rPr lang="ko-KR" altLang="en-US" sz="1800" b="0" i="0" dirty="0">
                           <a:effectLst/>
                           <a:latin typeface="Whitney"/>
                         </a:rPr>
-                        <a:t>등을 이용한 </a:t>
+                        <a:t> 부드러운 애니메이션 구현</a:t>
                       </a:r>
                       <a:endParaRPr lang="en-US" altLang="ko-KR" sz="1800" b="0" i="0" dirty="0">
                         <a:effectLst/>
@@ -15418,28 +15418,14 @@
                           <a:effectLst/>
                           <a:latin typeface="Whitney"/>
                         </a:rPr>
-                        <a:t>Occlusion culling </a:t>
+                        <a:t>PVS</a:t>
                       </a:r>
                       <a:r>
                         <a:rPr lang="ko-KR" altLang="en-US" sz="1800" b="0" i="0" dirty="0">
                           <a:effectLst/>
                           <a:latin typeface="Whitney"/>
                         </a:rPr>
-                        <a:t>알고리즘을 사용하여 프레임 </a:t>
-                      </a:r>
-                      <a:r>
-                        <a:rPr lang="ko-KR" altLang="en-US" sz="1800" b="0" i="0" dirty="0" err="1">
-                          <a:effectLst/>
-                          <a:latin typeface="Whitney"/>
-                        </a:rPr>
-                        <a:t>레이트를</a:t>
-                      </a:r>
-                      <a:r>
-                        <a:rPr lang="ko-KR" altLang="en-US" sz="1800" b="0" i="0" dirty="0">
-                          <a:effectLst/>
-                          <a:latin typeface="Whitney"/>
-                        </a:rPr>
-                        <a:t> 최적화</a:t>
+                        <a:t>를 만들어 렌더링에 적용</a:t>
                       </a:r>
                       <a:endParaRPr lang="en-US" altLang="ko-KR" sz="1800" b="0" i="0" dirty="0">
                         <a:effectLst/>
@@ -15490,11 +15476,7 @@
                       </a:r>
                       <a:r>
                         <a:rPr lang="ko-KR" altLang="en-US" dirty="0"/>
-                        <a:t>를 </a:t>
-                      </a:r>
-                      <a:r>
-                        <a:rPr lang="ko-KR" altLang="en-US"/>
-                        <a:t>통한 멀티플레이 서버 구현</a:t>
+                        <a:t>를 이용한 효율적인 멀티 쓰레드 서버 구현</a:t>
                       </a:r>
                       <a:endParaRPr lang="en-US" altLang="ko-KR" dirty="0"/>
                     </a:p>
@@ -15508,10 +15490,6 @@
                         <a:rPr lang="ko-KR" altLang="en-US" dirty="0"/>
                         <a:t>하여 사용자 데이터 관리</a:t>
                       </a:r>
-                      <a:endParaRPr lang="en-US" altLang="ko-KR" dirty="0"/>
-                    </a:p>
-                    <a:p>
-                      <a:pPr algn="ctr" latinLnBrk="1"/>
                       <a:endParaRPr lang="en-US" altLang="ko-KR" dirty="0"/>
                     </a:p>
                   </a:txBody>

--- a/Graduation_Document/Who's the tagger.pptx
+++ b/Graduation_Document/Who's the tagger.pptx
@@ -9864,7 +9864,7 @@
           <p:nvPr>
             <p:extLst>
               <p:ext uri="{D42A27DB-BD31-4B8C-83A1-F6EECF244321}">
-                <p14:modId xmlns:p14="http://schemas.microsoft.com/office/powerpoint/2010/main" val="2295612421"/>
+                <p14:modId xmlns:p14="http://schemas.microsoft.com/office/powerpoint/2010/main" val="3344063332"/>
               </p:ext>
             </p:extLst>
           </p:nvPr>
@@ -10025,7 +10025,100 @@
                         </a:rPr>
                         <a:t>의 사용으로 객체의 입체감을 표현</a:t>
                       </a:r>
-                      <a:endParaRPr lang="en-US" altLang="ko-KR" sz="1800" b="0" i="0" kern="1200" dirty="0">
+                      <a:endParaRPr lang="en-US" altLang="ko-KR" sz="1800" b="0" kern="1200" dirty="0">
+                        <a:solidFill>
+                          <a:schemeClr val="dk1"/>
+                        </a:solidFill>
+                        <a:effectLst/>
+                      </a:endParaRPr>
+                    </a:p>
+                    <a:p>
+                      <a:pPr algn="ctr"/>
+                      <a:r>
+                        <a:rPr lang="ko-KR" altLang="en-US" sz="1800" b="1" i="0" kern="1200" dirty="0" err="1">
+                          <a:solidFill>
+                            <a:schemeClr val="dk1"/>
+                          </a:solidFill>
+                          <a:effectLst/>
+                          <a:latin typeface="+mn-lt"/>
+                          <a:ea typeface="+mn-ea"/>
+                          <a:cs typeface="+mn-cs"/>
+                        </a:rPr>
+                        <a:t>블러링</a:t>
+                      </a:r>
+                      <a:r>
+                        <a:rPr lang="en-US" altLang="ko-KR" sz="1800" b="1" i="0" kern="1200" dirty="0">
+                          <a:solidFill>
+                            <a:schemeClr val="dk1"/>
+                          </a:solidFill>
+                          <a:effectLst/>
+                          <a:latin typeface="+mn-lt"/>
+                          <a:ea typeface="+mn-ea"/>
+                          <a:cs typeface="+mn-cs"/>
+                        </a:rPr>
+                        <a:t>(</a:t>
+                      </a:r>
+                      <a:r>
+                        <a:rPr lang="en-US" altLang="ko-KR" sz="1800" b="1" i="0" kern="1200" dirty="0" err="1">
+                          <a:solidFill>
+                            <a:schemeClr val="dk1"/>
+                          </a:solidFill>
+                          <a:effectLst/>
+                          <a:latin typeface="+mn-lt"/>
+                          <a:ea typeface="+mn-ea"/>
+                          <a:cs typeface="+mn-cs"/>
+                        </a:rPr>
+                        <a:t>bluring</a:t>
+                      </a:r>
+                      <a:r>
+                        <a:rPr lang="en-US" altLang="ko-KR" sz="1800" b="1" i="0" kern="1200" dirty="0">
+                          <a:solidFill>
+                            <a:schemeClr val="dk1"/>
+                          </a:solidFill>
+                          <a:effectLst/>
+                          <a:latin typeface="+mn-lt"/>
+                          <a:ea typeface="+mn-ea"/>
+                          <a:cs typeface="+mn-cs"/>
+                        </a:rPr>
+                        <a:t>)</a:t>
+                      </a:r>
+                      <a:r>
+                        <a:rPr lang="ko-KR" altLang="en-US" sz="1800" b="1" i="0" kern="1200" dirty="0">
+                          <a:solidFill>
+                            <a:schemeClr val="dk1"/>
+                          </a:solidFill>
+                          <a:effectLst/>
+                          <a:latin typeface="+mn-lt"/>
+                          <a:ea typeface="+mn-ea"/>
+                          <a:cs typeface="+mn-cs"/>
+                        </a:rPr>
+                        <a:t>을 이용</a:t>
+                      </a:r>
+                      <a:r>
+                        <a:rPr lang="ko-KR" altLang="en-US" sz="1800" b="0" i="0" kern="1200" dirty="0">
+                          <a:solidFill>
+                            <a:schemeClr val="dk1"/>
+                          </a:solidFill>
+                          <a:effectLst/>
+                          <a:latin typeface="+mn-lt"/>
+                          <a:ea typeface="+mn-ea"/>
+                          <a:cs typeface="+mn-cs"/>
+                        </a:rPr>
+                        <a:t>하여 </a:t>
+                      </a:r>
+                      <a:r>
+                        <a:rPr lang="ko-KR" altLang="en-US" sz="1800" b="1" i="0" kern="1200" dirty="0">
+                          <a:solidFill>
+                            <a:schemeClr val="dk1"/>
+                          </a:solidFill>
+                          <a:effectLst/>
+                          <a:latin typeface="+mn-lt"/>
+                          <a:ea typeface="+mn-ea"/>
+                          <a:cs typeface="+mn-cs"/>
+                        </a:rPr>
+                        <a:t>부드러운 화면전환을 구현</a:t>
+                      </a:r>
+                      <a:endParaRPr lang="en-US" altLang="ko-KR" sz="1800" b="1" i="0" kern="1200" dirty="0">
                         <a:solidFill>
                           <a:schemeClr val="dk1"/>
                         </a:solidFill>
